--- a/results/5507-02-simon-slides-and-speaker-notes.pptx
+++ b/results/5507-02-simon-slides-and-speaker-notes.pptx
@@ -1,6 +1,6 @@
 
 <file path=ppt/presentation.xml><?xml version="1.0" encoding="utf-8"?>
-<p:presentation xmlns:a="http://schemas.openxmlformats.org/drawingml/2006/main" xmlns:r="http://schemas.openxmlformats.org/officeDocument/2006/relationships" xmlns:p="http://schemas.openxmlformats.org/presentationml/2006/main" saveSubsetFonts="1" autoCompressPictures="0">
+<p:presentation xmlns:a="http://schemas.openxmlformats.org/drawingml/2006/main" xmlns:p="http://schemas.openxmlformats.org/presentationml/2006/main" xmlns:r="http://schemas.openxmlformats.org/officeDocument/2006/relationships" autoCompressPictures="0" saveSubsetFonts="1">
   <p:sldMasterIdLst>
     <p:sldMasterId id="2147483648" r:id="rId1"/>
   </p:sldMasterIdLst>
@@ -75,8 +75,8 @@
     <a:defPPr>
       <a:defRPr lang="en-US"/>
     </a:defPPr>
-    <a:lvl1pPr marL="0" algn="l" defTabSz="457200" rtl="0" eaLnBrk="1" latinLnBrk="0" hangingPunct="1">
-      <a:defRPr sz="1800" kern="1200">
+    <a:lvl1pPr algn="l" defTabSz="457200" eaLnBrk="1" hangingPunct="1" latinLnBrk="0" marL="0" rtl="0">
+      <a:defRPr kern="1200" sz="1800">
         <a:solidFill>
           <a:schemeClr val="tx1"/>
         </a:solidFill>
@@ -85,8 +85,8 @@
         <a:cs typeface="+mn-cs"/>
       </a:defRPr>
     </a:lvl1pPr>
-    <a:lvl2pPr marL="457200" algn="l" defTabSz="457200" rtl="0" eaLnBrk="1" latinLnBrk="0" hangingPunct="1">
-      <a:defRPr sz="1800" kern="1200">
+    <a:lvl2pPr algn="l" defTabSz="457200" eaLnBrk="1" hangingPunct="1" latinLnBrk="0" marL="457200" rtl="0">
+      <a:defRPr kern="1200" sz="1800">
         <a:solidFill>
           <a:schemeClr val="tx1"/>
         </a:solidFill>
@@ -95,8 +95,8 @@
         <a:cs typeface="+mn-cs"/>
       </a:defRPr>
     </a:lvl2pPr>
-    <a:lvl3pPr marL="914400" algn="l" defTabSz="457200" rtl="0" eaLnBrk="1" latinLnBrk="0" hangingPunct="1">
-      <a:defRPr sz="1800" kern="1200">
+    <a:lvl3pPr algn="l" defTabSz="457200" eaLnBrk="1" hangingPunct="1" latinLnBrk="0" marL="914400" rtl="0">
+      <a:defRPr kern="1200" sz="1800">
         <a:solidFill>
           <a:schemeClr val="tx1"/>
         </a:solidFill>
@@ -105,8 +105,8 @@
         <a:cs typeface="+mn-cs"/>
       </a:defRPr>
     </a:lvl3pPr>
-    <a:lvl4pPr marL="1371600" algn="l" defTabSz="457200" rtl="0" eaLnBrk="1" latinLnBrk="0" hangingPunct="1">
-      <a:defRPr sz="1800" kern="1200">
+    <a:lvl4pPr algn="l" defTabSz="457200" eaLnBrk="1" hangingPunct="1" latinLnBrk="0" marL="1371600" rtl="0">
+      <a:defRPr kern="1200" sz="1800">
         <a:solidFill>
           <a:schemeClr val="tx1"/>
         </a:solidFill>
@@ -115,8 +115,8 @@
         <a:cs typeface="+mn-cs"/>
       </a:defRPr>
     </a:lvl4pPr>
-    <a:lvl5pPr marL="1828800" algn="l" defTabSz="457200" rtl="0" eaLnBrk="1" latinLnBrk="0" hangingPunct="1">
-      <a:defRPr sz="1800" kern="1200">
+    <a:lvl5pPr algn="l" defTabSz="457200" eaLnBrk="1" hangingPunct="1" latinLnBrk="0" marL="1828800" rtl="0">
+      <a:defRPr kern="1200" sz="1800">
         <a:solidFill>
           <a:schemeClr val="tx1"/>
         </a:solidFill>
@@ -125,8 +125,8 @@
         <a:cs typeface="+mn-cs"/>
       </a:defRPr>
     </a:lvl5pPr>
-    <a:lvl6pPr marL="2286000" algn="l" defTabSz="457200" rtl="0" eaLnBrk="1" latinLnBrk="0" hangingPunct="1">
-      <a:defRPr sz="1800" kern="1200">
+    <a:lvl6pPr algn="l" defTabSz="457200" eaLnBrk="1" hangingPunct="1" latinLnBrk="0" marL="2286000" rtl="0">
+      <a:defRPr kern="1200" sz="1800">
         <a:solidFill>
           <a:schemeClr val="tx1"/>
         </a:solidFill>
@@ -135,8 +135,8 @@
         <a:cs typeface="+mn-cs"/>
       </a:defRPr>
     </a:lvl6pPr>
-    <a:lvl7pPr marL="2743200" algn="l" defTabSz="457200" rtl="0" eaLnBrk="1" latinLnBrk="0" hangingPunct="1">
-      <a:defRPr sz="1800" kern="1200">
+    <a:lvl7pPr algn="l" defTabSz="457200" eaLnBrk="1" hangingPunct="1" latinLnBrk="0" marL="2743200" rtl="0">
+      <a:defRPr kern="1200" sz="1800">
         <a:solidFill>
           <a:schemeClr val="tx1"/>
         </a:solidFill>
@@ -145,8 +145,8 @@
         <a:cs typeface="+mn-cs"/>
       </a:defRPr>
     </a:lvl7pPr>
-    <a:lvl8pPr marL="3200400" algn="l" defTabSz="457200" rtl="0" eaLnBrk="1" latinLnBrk="0" hangingPunct="1">
-      <a:defRPr sz="1800" kern="1200">
+    <a:lvl8pPr algn="l" defTabSz="457200" eaLnBrk="1" hangingPunct="1" latinLnBrk="0" marL="3200400" rtl="0">
+      <a:defRPr kern="1200" sz="1800">
         <a:solidFill>
           <a:schemeClr val="tx1"/>
         </a:solidFill>
@@ -155,8 +155,8 @@
         <a:cs typeface="+mn-cs"/>
       </a:defRPr>
     </a:lvl8pPr>
-    <a:lvl9pPr marL="3657600" algn="l" defTabSz="457200" rtl="0" eaLnBrk="1" latinLnBrk="0" hangingPunct="1">
-      <a:defRPr sz="1800" kern="1200">
+    <a:lvl9pPr algn="l" defTabSz="457200" eaLnBrk="1" hangingPunct="1" latinLnBrk="0" marL="3657600" rtl="0">
+      <a:defRPr kern="1200" sz="1800">
         <a:solidFill>
           <a:schemeClr val="tx1"/>
         </a:solidFill>
@@ -40662,7 +40662,7 @@
             <a:spLocks noGrp="1"/>
           </p:cNvSpPr>
           <p:nvPr>
-            <p:ph type="subTitle" idx="1"/>
+            <p:ph idx="1" type="subTitle"/>
           </p:nvPr>
         </p:nvSpPr>
         <p:spPr>
@@ -40702,7 +40702,7 @@
             <a:spLocks noGrp="1"/>
           </p:cNvSpPr>
           <p:nvPr>
-            <p:ph type="dt" sz="half" idx="10"/>
+            <p:ph idx="10" sz="half" type="dt"/>
           </p:nvPr>
         </p:nvSpPr>
         <p:spPr/>
@@ -41413,11 +41413,11 @@
           <a:bodyPr/>
           <a:lstStyle/>
           <a:p>
-            <a:pPr lvl="0" marL="1270000" indent="0">
+            <a:pPr lvl="0" indent="0">
               <a:buNone/>
             </a:pPr>
             <a:r>
-              <a:rPr sz="1800">
+              <a:rPr>
                 <a:latin typeface="Courier"/>
               </a:rPr>
               <a:t>
@@ -41537,11 +41537,11 @@
           <a:bodyPr/>
           <a:lstStyle/>
           <a:p>
-            <a:pPr lvl="0" marL="1270000" indent="0">
+            <a:pPr lvl="0" indent="0">
               <a:buNone/>
             </a:pPr>
             <a:r>
-              <a:rPr sz="1800">
+              <a:rPr>
                 <a:latin typeface="Courier"/>
               </a:rPr>
               <a:t>
@@ -41697,11 +41697,11 @@
           <a:bodyPr/>
           <a:lstStyle/>
           <a:p>
-            <a:pPr lvl="0" marL="1270000" indent="0">
+            <a:pPr lvl="0" indent="0">
               <a:buNone/>
             </a:pPr>
             <a:r>
-              <a:rPr sz="1800">
+              <a:rPr>
                 <a:latin typeface="Courier"/>
               </a:rPr>
               <a:t>
@@ -42134,11 +42134,11 @@
           <a:bodyPr/>
           <a:lstStyle/>
           <a:p>
-            <a:pPr lvl="0" marL="1270000" indent="0">
+            <a:pPr lvl="0" indent="0">
               <a:buNone/>
             </a:pPr>
             <a:r>
-              <a:rPr sz="1800">
+              <a:rPr>
                 <a:latin typeface="Courier"/>
               </a:rPr>
               <a:t>
@@ -42561,11 +42561,11 @@
           <a:bodyPr/>
           <a:lstStyle/>
           <a:p>
-            <a:pPr lvl="0" marL="1270000" indent="0">
+            <a:pPr lvl="0" indent="0">
               <a:buNone/>
             </a:pPr>
             <a:r>
-              <a:rPr sz="1800">
+              <a:rPr>
                 <a:latin typeface="Courier"/>
               </a:rPr>
               <a:t>
@@ -42864,11 +42864,11 @@
           <a:bodyPr/>
           <a:lstStyle/>
           <a:p>
-            <a:pPr lvl="0" marL="1270000" indent="0">
+            <a:pPr lvl="0" indent="0">
               <a:buNone/>
             </a:pPr>
             <a:r>
-              <a:rPr sz="1800">
+              <a:rPr>
                 <a:latin typeface="Courier"/>
               </a:rPr>
               <a:t>
@@ -43280,11 +43280,11 @@
           <a:bodyPr/>
           <a:lstStyle/>
           <a:p>
-            <a:pPr lvl="0" marL="1270000" indent="0">
+            <a:pPr lvl="0" indent="0">
               <a:buNone/>
             </a:pPr>
             <a:r>
-              <a:rPr sz="1800">
+              <a:rPr>
                 <a:latin typeface="Courier"/>
               </a:rPr>
               <a:t>
@@ -43431,11 +43431,11 @@
           <a:bodyPr/>
           <a:lstStyle/>
           <a:p>
-            <a:pPr lvl="0" marL="1270000" indent="0">
+            <a:pPr lvl="0" indent="0">
               <a:buNone/>
             </a:pPr>
             <a:r>
-              <a:rPr sz="1800">
+              <a:rPr>
                 <a:latin typeface="Courier"/>
               </a:rPr>
               <a:t>
@@ -43582,11 +43582,11 @@
           <a:bodyPr/>
           <a:lstStyle/>
           <a:p>
-            <a:pPr lvl="0" marL="1270000" indent="0">
+            <a:pPr lvl="0" indent="0">
               <a:buNone/>
             </a:pPr>
             <a:r>
-              <a:rPr sz="1800">
+              <a:rPr>
                 <a:latin typeface="Courier"/>
               </a:rPr>
               <a:t>
@@ -44026,11 +44026,11 @@
           <a:bodyPr/>
           <a:lstStyle/>
           <a:p>
-            <a:pPr lvl="0" marL="1270000" indent="0">
+            <a:pPr lvl="0" indent="0">
               <a:buNone/>
             </a:pPr>
             <a:r>
-              <a:rPr sz="1800">
+              <a:rPr>
                 <a:latin typeface="Courier"/>
               </a:rPr>
               <a:t>where (ht &lt; 0) &amp; (ht ~= .) </a:t>
@@ -44140,11 +44140,11 @@
           <a:bodyPr/>
           <a:lstStyle/>
           <a:p>
-            <a:pPr lvl="0" marL="1270000" indent="0">
+            <a:pPr lvl="0" indent="0">
               <a:buNone/>
             </a:pPr>
             <a:r>
-              <a:rPr sz="1800">
+              <a:rPr>
                 <a:latin typeface="Courier"/>
               </a:rPr>
               <a:t>
@@ -44514,11 +44514,11 @@
           <a:bodyPr/>
           <a:lstStyle/>
           <a:p>
-            <a:pPr lvl="0" marL="1270000" indent="0">
+            <a:pPr lvl="0" indent="0">
               <a:buNone/>
             </a:pPr>
             <a:r>
-              <a:rPr sz="1800">
+              <a:rPr>
                 <a:latin typeface="Courier"/>
               </a:rPr>
               <a:t>
@@ -44786,11 +44786,11 @@
           <a:bodyPr/>
           <a:lstStyle/>
           <a:p>
-            <a:pPr lvl="0" marL="1270000" indent="0">
+            <a:pPr lvl="0" indent="0">
               <a:buNone/>
             </a:pPr>
             <a:r>
-              <a:rPr sz="1800">
+              <a:rPr>
                 <a:latin typeface="Courier"/>
               </a:rPr>
               <a:t>
@@ -45077,11 +45077,11 @@
           <a:bodyPr/>
           <a:lstStyle/>
           <a:p>
-            <a:pPr lvl="0" marL="1270000" indent="0">
+            <a:pPr lvl="0" indent="0">
               <a:buNone/>
             </a:pPr>
             <a:r>
-              <a:rPr sz="1800">
+              <a:rPr>
                 <a:latin typeface="Courier"/>
               </a:rPr>
               <a:t>
@@ -45498,11 +45498,11 @@
           <a:bodyPr/>
           <a:lstStyle/>
           <a:p>
-            <a:pPr lvl="0" marL="1270000" indent="0">
+            <a:pPr lvl="0" indent="0">
               <a:buNone/>
             </a:pPr>
             <a:r>
-              <a:rPr sz="1800">
+              <a:rPr>
                 <a:latin typeface="Courier"/>
               </a:rPr>
               <a:t>
@@ -45999,11 +45999,11 @@
           <a:bodyPr/>
           <a:lstStyle/>
           <a:p>
-            <a:pPr lvl="0" marL="1270000" indent="0">
+            <a:pPr lvl="0" indent="0">
               <a:buNone/>
             </a:pPr>
             <a:r>
-              <a:rPr sz="1800">
+              <a:rPr>
                 <a:latin typeface="Courier"/>
               </a:rPr>
               <a:t>
@@ -46455,11 +46455,11 @@
           <a:bodyPr/>
           <a:lstStyle/>
           <a:p>
-            <a:pPr lvl="0" marL="1270000" indent="0">
+            <a:pPr lvl="0" indent="0">
               <a:buNone/>
             </a:pPr>
             <a:r>
-              <a:rPr sz="1800">
+              <a:rPr>
                 <a:latin typeface="Courier"/>
               </a:rPr>
               <a:t>
@@ -46988,11 +46988,11 @@
             </a:r>
           </a:p>
           <a:p>
-            <a:pPr lvl="0" marL="1270000" indent="0">
+            <a:pPr lvl="0" indent="0">
               <a:buNone/>
             </a:pPr>
             <a:r>
-              <a:rPr sz="1800">
+              <a:rPr>
                 <a:latin typeface="Courier"/>
               </a:rPr>
               <a:t>statement option1 option2 option3 option4;</a:t>
@@ -47008,11 +47008,11 @@
             </a:r>
           </a:p>
           <a:p>
-            <a:pPr lvl="0" marL="1270000" indent="0">
+            <a:pPr lvl="0" indent="0">
               <a:buNone/>
             </a:pPr>
             <a:r>
-              <a:rPr sz="1800">
+              <a:rPr>
                 <a:latin typeface="Courier"/>
               </a:rPr>
               <a:t>statement
@@ -47126,11 +47126,11 @@
           <a:bodyPr/>
           <a:lstStyle/>
           <a:p>
-            <a:pPr lvl="0" marL="1270000" indent="0">
+            <a:pPr lvl="0" indent="0">
               <a:buNone/>
             </a:pPr>
             <a:r>
-              <a:rPr sz="1800">
+              <a:rPr>
                 <a:latin typeface="Courier"/>
               </a:rPr>
               <a:t>
@@ -47260,11 +47260,11 @@
           <a:bodyPr/>
           <a:lstStyle/>
           <a:p>
-            <a:pPr lvl="0" marL="1270000" indent="0">
+            <a:pPr lvl="0" indent="0">
               <a:buNone/>
             </a:pPr>
             <a:r>
-              <a:rPr sz="1800">
+              <a:rPr>
                 <a:latin typeface="Courier"/>
               </a:rPr>
               <a:t>
@@ -47542,11 +47542,11 @@
           <a:bodyPr/>
           <a:lstStyle/>
           <a:p>
-            <a:pPr lvl="0" marL="1270000" indent="0">
+            <a:pPr lvl="0" indent="0">
               <a:buNone/>
             </a:pPr>
             <a:r>
-              <a:rPr sz="1800">
+              <a:rPr>
                 <a:latin typeface="Courier"/>
               </a:rPr>
               <a:t>
@@ -47825,11 +47825,11 @@
           <a:bodyPr/>
           <a:lstStyle/>
           <a:p>
-            <a:pPr lvl="0" marL="1270000" indent="0">
+            <a:pPr lvl="0" indent="0">
               <a:buNone/>
             </a:pPr>
             <a:r>
-              <a:rPr sz="1800">
+              <a:rPr>
                 <a:latin typeface="Courier"/>
               </a:rPr>
               <a:t>
@@ -48117,11 +48117,11 @@
           <a:bodyPr/>
           <a:lstStyle/>
           <a:p>
-            <a:pPr lvl="0" marL="1270000" indent="0">
+            <a:pPr lvl="0" indent="0">
               <a:buNone/>
             </a:pPr>
             <a:r>
-              <a:rPr sz="1800">
+              <a:rPr>
                 <a:latin typeface="Courier"/>
               </a:rPr>
               <a:t>
@@ -48370,11 +48370,11 @@
           <a:bodyPr/>
           <a:lstStyle/>
           <a:p>
-            <a:pPr lvl="0" marL="1270000" indent="0">
+            <a:pPr lvl="0" indent="0">
               <a:buNone/>
             </a:pPr>
             <a:r>
-              <a:rPr sz="1800">
+              <a:rPr>
                 <a:latin typeface="Courier"/>
               </a:rPr>
               <a:t>ods pdf close;</a:t>
@@ -48476,11 +48476,11 @@
           <a:bodyPr/>
           <a:lstStyle/>
           <a:p>
-            <a:pPr lvl="0" marL="1270000" indent="0">
+            <a:pPr lvl="0" indent="0">
               <a:buNone/>
             </a:pPr>
             <a:r>
-              <a:rPr sz="1800">
+              <a:rPr>
                 <a:latin typeface="Courier"/>
               </a:rPr>
               <a:t>
@@ -48769,11 +48769,11 @@
           <a:bodyPr/>
           <a:lstStyle/>
           <a:p>
-            <a:pPr lvl="0" marL="1270000" indent="0">
+            <a:pPr lvl="0" indent="0">
               <a:buNone/>
             </a:pPr>
             <a:r>
-              <a:rPr sz="1800">
+              <a:rPr>
                 <a:latin typeface="Courier"/>
               </a:rPr>
               <a:t>
@@ -48900,11 +48900,11 @@
           <a:bodyPr/>
           <a:lstStyle/>
           <a:p>
-            <a:pPr lvl="0" marL="1270000" indent="0">
+            <a:pPr lvl="0" indent="0">
               <a:buNone/>
             </a:pPr>
             <a:r>
-              <a:rPr sz="1800">
+              <a:rPr>
                 <a:latin typeface="Courier"/>
               </a:rPr>
               <a:t>
@@ -49034,11 +49034,11 @@
           <a:bodyPr/>
           <a:lstStyle/>
           <a:p>
-            <a:pPr lvl="0" marL="1270000" indent="0">
+            <a:pPr lvl="0" indent="0">
               <a:buNone/>
             </a:pPr>
             <a:r>
-              <a:rPr sz="1800">
+              <a:rPr>
                 <a:latin typeface="Courier"/>
               </a:rPr>
               <a:t>
